--- a/JS Core/JS Applications/08-routing/lab/08. JS-Applications-Routing-and-Architecture.pptx
+++ b/JS Core/JS Applications/08-routing/lab/08. JS-Applications-Routing-and-Architecture.pptx
@@ -311,7 +311,7 @@
           <a:p>
             <a:fld id="{4E087215-0C8F-4762-A664-737A353EC9A4}" type="datetimeFigureOut">
               <a:rPr lang="bg-BG" smtClean="0"/>
-              <a:t>28.11.2019 г.</a:t>
+              <a:t>28.3.2020 г.</a:t>
             </a:fld>
             <a:endParaRPr lang="bg-BG"/>
           </a:p>
@@ -502,7 +502,7 @@
           <a:p>
             <a:fld id="{72D84649-876A-46C9-8472-14CB09C070D8}" type="datetimeFigureOut">
               <a:rPr lang="en-US" smtClean="0"/>
-              <a:t>11/28/2019</a:t>
+              <a:t>3/28/2020</a:t>
             </a:fld>
             <a:endParaRPr lang="en-US"/>
           </a:p>
@@ -4775,7 +4775,7 @@
                 <a:hlinkClick r:id="rId2">
                   <a:extLst>
                     <a:ext uri="{A12FA001-AC4F-418D-AE19-62706E023703}">
-                      <ahyp:hlinkClr xmlns="" xmlns:ahyp="http://schemas.microsoft.com/office/drawing/2018/hyperlinkcolor" val="tx"/>
+                      <ahyp:hlinkClr xmlns:ahyp="http://schemas.microsoft.com/office/drawing/2018/hyperlinkcolor" val="tx"/>
                     </a:ext>
                   </a:extLst>
                 </a:hlinkClick>
@@ -9604,7 +9604,7 @@
           <a:lstStyle/>
           <a:p>
             <a:r>
-              <a:rPr lang="en-US" smtClean="0">
+              <a:rPr lang="en-US">
                 <a:hlinkClick r:id="rId3"/>
               </a:rPr>
               <a:t>https://softuni.bg</a:t>
@@ -9715,7 +9715,7 @@
           <a:lstStyle/>
           <a:p>
             <a:r>
-              <a:rPr lang="en-US" noProof="1" smtClean="0"/>
+              <a:rPr lang="en-US" noProof="1"/>
               <a:t>Browser Routing</a:t>
             </a:r>
             <a:endParaRPr lang="en-US" dirty="0">
@@ -9750,10 +9750,9 @@
           <a:lstStyle/>
           <a:p>
             <a:r>
-              <a:rPr lang="en-US" dirty="0" smtClean="0"/>
+              <a:rPr lang="en-US" dirty="0"/>
               <a:t>Routing</a:t>
             </a:r>
-            <a:endParaRPr lang="en-US" dirty="0"/>
           </a:p>
         </p:txBody>
       </p:sp>
@@ -9805,13 +9804,6 @@
       <p:transition spd="slow" advClick="0" advTm="5000"/>
     </mc:Fallback>
   </mc:AlternateContent>
-  <p:timing>
-    <p:tnLst>
-      <p:par>
-        <p:cTn id="1" dur="indefinite" restart="never" nodeType="tmRoot"/>
-      </p:par>
-    </p:tnLst>
-  </p:timing>
 </p:sld>
 </file>
 
@@ -9848,10 +9840,9 @@
           <a:lstStyle/>
           <a:p>
             <a:r>
-              <a:rPr lang="en-US" dirty="0" smtClean="0"/>
+              <a:rPr lang="en-US" dirty="0"/>
               <a:t>Multi Page Application Lifecycle</a:t>
             </a:r>
-            <a:endParaRPr lang="en-US" dirty="0"/>
           </a:p>
         </p:txBody>
       </p:sp>
@@ -9898,7 +9889,7 @@
           <a:p>
             <a:pPr algn="ctr"/>
             <a:r>
-              <a:rPr lang="en-US" sz="2800" dirty="0" smtClean="0">
+              <a:rPr lang="en-US" sz="2800" dirty="0">
                 <a:ln w="0"/>
                 <a:solidFill>
                   <a:schemeClr val="tx1"/>
@@ -9913,19 +9904,6 @@
               </a:rPr>
               <a:t>CLIENT</a:t>
             </a:r>
-            <a:endParaRPr lang="en-US" sz="2800" dirty="0">
-              <a:ln w="0"/>
-              <a:solidFill>
-                <a:schemeClr val="tx1"/>
-              </a:solidFill>
-              <a:effectLst>
-                <a:outerShdw blurRad="38100" dist="19050" dir="2700000" algn="tl" rotWithShape="0">
-                  <a:schemeClr val="dk1">
-                    <a:alpha val="40000"/>
-                  </a:schemeClr>
-                </a:outerShdw>
-              </a:effectLst>
-            </a:endParaRPr>
           </a:p>
         </p:txBody>
       </p:sp>
@@ -9972,7 +9950,7 @@
           <a:p>
             <a:pPr algn="ctr"/>
             <a:r>
-              <a:rPr lang="en-US" sz="2800" dirty="0" smtClean="0">
+              <a:rPr lang="en-US" sz="2800" dirty="0">
                 <a:ln w="0"/>
                 <a:solidFill>
                   <a:schemeClr val="tx1"/>
@@ -9987,19 +9965,6 @@
               </a:rPr>
               <a:t>SERVER</a:t>
             </a:r>
-            <a:endParaRPr lang="en-US" sz="2800" dirty="0">
-              <a:ln w="0"/>
-              <a:solidFill>
-                <a:schemeClr val="tx1"/>
-              </a:solidFill>
-              <a:effectLst>
-                <a:outerShdw blurRad="38100" dist="19050" dir="2700000" algn="tl" rotWithShape="0">
-                  <a:schemeClr val="dk1">
-                    <a:alpha val="40000"/>
-                  </a:schemeClr>
-                </a:outerShdw>
-              </a:effectLst>
-            </a:endParaRPr>
           </a:p>
         </p:txBody>
       </p:sp>
@@ -10307,7 +10272,7 @@
           <a:p>
             <a:pPr algn="ctr"/>
             <a:r>
-              <a:rPr lang="en-US" sz="3000" b="0" cap="none" spc="0" dirty="0" smtClean="0">
+              <a:rPr lang="en-US" sz="3000" b="0" cap="none" spc="0" dirty="0">
                 <a:ln w="0"/>
                 <a:solidFill>
                   <a:schemeClr val="bg1"/>
@@ -10322,19 +10287,6 @@
               </a:rPr>
               <a:t>Initial Request</a:t>
             </a:r>
-            <a:endParaRPr lang="en-US" sz="3000" b="0" cap="none" spc="0" dirty="0">
-              <a:ln w="0"/>
-              <a:solidFill>
-                <a:schemeClr val="bg1"/>
-              </a:solidFill>
-              <a:effectLst>
-                <a:outerShdw blurRad="38100" dist="25400" dir="5400000" algn="ctr" rotWithShape="0">
-                  <a:srgbClr val="6E747A">
-                    <a:alpha val="43000"/>
-                  </a:srgbClr>
-                </a:outerShdw>
-              </a:effectLst>
-            </a:endParaRPr>
           </a:p>
         </p:txBody>
       </p:sp>
@@ -10362,7 +10314,7 @@
           <a:p>
             <a:pPr algn="ctr"/>
             <a:r>
-              <a:rPr lang="en-US" sz="3000" b="0" cap="none" spc="0" dirty="0" smtClean="0">
+              <a:rPr lang="en-US" sz="3000" b="0" cap="none" spc="0" dirty="0">
                 <a:ln w="0"/>
                 <a:solidFill>
                   <a:schemeClr val="bg1"/>
@@ -10377,19 +10329,6 @@
               </a:rPr>
               <a:t>Form Post</a:t>
             </a:r>
-            <a:endParaRPr lang="en-US" sz="3000" b="0" cap="none" spc="0" dirty="0">
-              <a:ln w="0"/>
-              <a:solidFill>
-                <a:schemeClr val="bg1"/>
-              </a:solidFill>
-              <a:effectLst>
-                <a:outerShdw blurRad="38100" dist="25400" dir="5400000" algn="ctr" rotWithShape="0">
-                  <a:srgbClr val="6E747A">
-                    <a:alpha val="43000"/>
-                  </a:srgbClr>
-                </a:outerShdw>
-              </a:effectLst>
-            </a:endParaRPr>
           </a:p>
         </p:txBody>
       </p:sp>
@@ -10535,7 +10474,7 @@
           <a:p>
             <a:pPr algn="ctr"/>
             <a:r>
-              <a:rPr lang="en-US" sz="2400" b="0" cap="none" spc="0" dirty="0" smtClean="0">
+              <a:rPr lang="en-US" sz="2400" b="0" cap="none" spc="0" dirty="0">
                 <a:ln w="0"/>
                 <a:solidFill>
                   <a:schemeClr val="bg1"/>
@@ -10550,19 +10489,6 @@
               </a:rPr>
               <a:t>Page Reload</a:t>
             </a:r>
-            <a:endParaRPr lang="en-US" sz="2400" b="0" cap="none" spc="0" dirty="0">
-              <a:ln w="0"/>
-              <a:solidFill>
-                <a:schemeClr val="bg1"/>
-              </a:solidFill>
-              <a:effectLst>
-                <a:outerShdw blurRad="38100" dist="25400" dir="5400000" algn="ctr" rotWithShape="0">
-                  <a:srgbClr val="6E747A">
-                    <a:alpha val="43000"/>
-                  </a:srgbClr>
-                </a:outerShdw>
-              </a:effectLst>
-            </a:endParaRPr>
           </a:p>
         </p:txBody>
       </p:sp>
@@ -10696,13 +10622,6 @@
       <p:transition spd="slow" advClick="0" advTm="5000"/>
     </mc:Fallback>
   </mc:AlternateContent>
-  <p:timing>
-    <p:tnLst>
-      <p:par>
-        <p:cTn id="1" dur="indefinite" restart="never" nodeType="tmRoot"/>
-      </p:par>
-    </p:tnLst>
-  </p:timing>
 </p:sld>
 </file>
 
@@ -10739,10 +10658,9 @@
           <a:lstStyle/>
           <a:p>
             <a:r>
-              <a:rPr lang="en-US" dirty="0" smtClean="0"/>
+              <a:rPr lang="en-US" dirty="0"/>
               <a:t>SPA Lifecycle</a:t>
             </a:r>
-            <a:endParaRPr lang="en-US" dirty="0"/>
           </a:p>
         </p:txBody>
       </p:sp>
@@ -10789,7 +10707,7 @@
           <a:p>
             <a:pPr algn="ctr"/>
             <a:r>
-              <a:rPr lang="en-US" sz="2800" dirty="0" smtClean="0">
+              <a:rPr lang="en-US" sz="2800" dirty="0">
                 <a:ln w="0"/>
                 <a:solidFill>
                   <a:schemeClr val="tx1"/>
@@ -10804,19 +10722,6 @@
               </a:rPr>
               <a:t>CLIENT</a:t>
             </a:r>
-            <a:endParaRPr lang="en-US" sz="2800" dirty="0">
-              <a:ln w="0"/>
-              <a:solidFill>
-                <a:schemeClr val="tx1"/>
-              </a:solidFill>
-              <a:effectLst>
-                <a:outerShdw blurRad="38100" dist="19050" dir="2700000" algn="tl" rotWithShape="0">
-                  <a:schemeClr val="dk1">
-                    <a:alpha val="40000"/>
-                  </a:schemeClr>
-                </a:outerShdw>
-              </a:effectLst>
-            </a:endParaRPr>
           </a:p>
         </p:txBody>
       </p:sp>
@@ -10863,7 +10768,7 @@
           <a:p>
             <a:pPr algn="ctr"/>
             <a:r>
-              <a:rPr lang="en-US" sz="2800" dirty="0" smtClean="0">
+              <a:rPr lang="en-US" sz="2800" dirty="0">
                 <a:ln w="0"/>
                 <a:solidFill>
                   <a:schemeClr val="tx1"/>
@@ -10878,19 +10783,6 @@
               </a:rPr>
               <a:t>SERVER</a:t>
             </a:r>
-            <a:endParaRPr lang="en-US" sz="2800" dirty="0">
-              <a:ln w="0"/>
-              <a:solidFill>
-                <a:schemeClr val="tx1"/>
-              </a:solidFill>
-              <a:effectLst>
-                <a:outerShdw blurRad="38100" dist="19050" dir="2700000" algn="tl" rotWithShape="0">
-                  <a:schemeClr val="dk1">
-                    <a:alpha val="40000"/>
-                  </a:schemeClr>
-                </a:outerShdw>
-              </a:effectLst>
-            </a:endParaRPr>
           </a:p>
         </p:txBody>
       </p:sp>
@@ -11198,7 +11090,7 @@
           <a:p>
             <a:pPr algn="ctr"/>
             <a:r>
-              <a:rPr lang="en-US" sz="3000" b="0" cap="none" spc="0" dirty="0" smtClean="0">
+              <a:rPr lang="en-US" sz="3000" b="0" cap="none" spc="0" dirty="0">
                 <a:ln w="0"/>
                 <a:solidFill>
                   <a:schemeClr val="bg1"/>
@@ -11213,19 +11105,6 @@
               </a:rPr>
               <a:t>Initial Request</a:t>
             </a:r>
-            <a:endParaRPr lang="en-US" sz="3000" b="0" cap="none" spc="0" dirty="0">
-              <a:ln w="0"/>
-              <a:solidFill>
-                <a:schemeClr val="bg1"/>
-              </a:solidFill>
-              <a:effectLst>
-                <a:outerShdw blurRad="38100" dist="25400" dir="5400000" algn="ctr" rotWithShape="0">
-                  <a:srgbClr val="6E747A">
-                    <a:alpha val="43000"/>
-                  </a:srgbClr>
-                </a:outerShdw>
-              </a:effectLst>
-            </a:endParaRPr>
           </a:p>
         </p:txBody>
       </p:sp>
@@ -11253,7 +11132,7 @@
           <a:p>
             <a:pPr algn="ctr"/>
             <a:r>
-              <a:rPr lang="en-US" sz="3000" b="0" cap="none" spc="0" dirty="0" smtClean="0">
+              <a:rPr lang="en-US" sz="3000" b="0" cap="none" spc="0" dirty="0">
                 <a:ln w="0"/>
                 <a:solidFill>
                   <a:schemeClr val="bg1"/>
@@ -11268,19 +11147,6 @@
               </a:rPr>
               <a:t>AJAX</a:t>
             </a:r>
-            <a:endParaRPr lang="en-US" sz="3000" b="0" cap="none" spc="0" dirty="0">
-              <a:ln w="0"/>
-              <a:solidFill>
-                <a:schemeClr val="bg1"/>
-              </a:solidFill>
-              <a:effectLst>
-                <a:outerShdw blurRad="38100" dist="25400" dir="5400000" algn="ctr" rotWithShape="0">
-                  <a:srgbClr val="6E747A">
-                    <a:alpha val="43000"/>
-                  </a:srgbClr>
-                </a:outerShdw>
-              </a:effectLst>
-            </a:endParaRPr>
           </a:p>
         </p:txBody>
       </p:sp>
@@ -11398,13 +11264,6 @@
       <p:transition spd="slow" advClick="0" advTm="5000"/>
     </mc:Fallback>
   </mc:AlternateContent>
-  <p:timing>
-    <p:tnLst>
-      <p:par>
-        <p:cTn id="1" dur="indefinite" restart="never" nodeType="tmRoot"/>
-      </p:par>
-    </p:tnLst>
-  </p:timing>
 </p:sld>
 </file>
 
@@ -11440,7 +11299,7 @@
           <a:bodyPr/>
           <a:lstStyle/>
           <a:p>
-            <a:endParaRPr lang="en-US"/>
+            <a:endParaRPr lang="en-US" dirty="0"/>
           </a:p>
         </p:txBody>
       </p:sp>
@@ -11479,10 +11338,9 @@
           <a:lstStyle/>
           <a:p>
             <a:r>
-              <a:rPr lang="en-US" dirty="0" smtClean="0"/>
+              <a:rPr lang="en-US" dirty="0"/>
               <a:t>Navigation Types</a:t>
             </a:r>
-            <a:endParaRPr lang="en-US" dirty="0"/>
           </a:p>
         </p:txBody>
       </p:sp>
@@ -11866,7 +11724,7 @@
         <p:spPr>
           <a:xfrm>
             <a:off x="190405" y="1120235"/>
-            <a:ext cx="4785441" cy="584775"/>
+            <a:ext cx="4785441" cy="1077218"/>
           </a:xfrm>
           <a:prstGeom prst="rect">
             <a:avLst/>
@@ -11883,6 +11741,13 @@
               <a:buFont typeface="Wingdings" panose="05000000000000000000" pitchFamily="2" charset="2"/>
               <a:buChar char="§"/>
             </a:pPr>
+            <a:endParaRPr lang="en-US" sz="3200" dirty="0"/>
+          </a:p>
+          <a:p>
+            <a:pPr marL="457200" indent="-457200">
+              <a:buFont typeface="Wingdings" panose="05000000000000000000" pitchFamily="2" charset="2"/>
+              <a:buChar char="§"/>
+            </a:pPr>
             <a:r>
               <a:rPr lang="en-US" sz="3200" dirty="0"/>
               <a:t>Standard Navigation</a:t>
@@ -11899,7 +11764,7 @@
         <p:spPr>
           <a:xfrm>
             <a:off x="6421120" y="1082056"/>
-            <a:ext cx="5703824" cy="1384995"/>
+            <a:ext cx="5703824" cy="1815882"/>
           </a:xfrm>
           <a:prstGeom prst="rect">
             <a:avLst/>
@@ -11911,6 +11776,13 @@
             <a:spAutoFit/>
           </a:bodyPr>
           <a:lstStyle/>
+          <a:p>
+            <a:pPr marL="457200" indent="-457200">
+              <a:buFont typeface="Wingdings" panose="05000000000000000000" pitchFamily="2" charset="2"/>
+              <a:buChar char="§"/>
+            </a:pPr>
+            <a:endParaRPr lang="en-US" sz="2800" dirty="0"/>
+          </a:p>
           <a:p>
             <a:pPr marL="457200" indent="-457200">
               <a:buFont typeface="Wingdings" panose="05000000000000000000" pitchFamily="2" charset="2"/>
@@ -12619,12 +12491,8 @@
           <a:p>
             <a:pPr latinLnBrk="0"/>
             <a:r>
-              <a:rPr lang="en-US" dirty="0" smtClean="0"/>
-              <a:t>Allow </a:t>
-            </a:r>
-            <a:r>
               <a:rPr lang="en-US" dirty="0"/>
-              <a:t>for additional application </a:t>
+              <a:t>Allow for additional application </a:t>
             </a:r>
             <a:r>
               <a:rPr lang="en-US" b="1" dirty="0">
@@ -12648,17 +12516,13 @@
             </a:r>
             <a:r>
               <a:rPr lang="en-US" dirty="0"/>
-              <a:t> into the </a:t>
-            </a:r>
-            <a:r>
-              <a:rPr lang="en-US" dirty="0" smtClean="0"/>
-              <a:t>URL</a:t>
+              <a:t> into the URL</a:t>
             </a:r>
           </a:p>
           <a:p>
             <a:pPr latinLnBrk="0"/>
             <a:r>
-              <a:rPr lang="en-US" dirty="0" smtClean="0"/>
+              <a:rPr lang="en-US" dirty="0"/>
               <a:t>Common </a:t>
             </a:r>
             <a:r>
@@ -12670,7 +12534,7 @@
               <a:t>use</a:t>
             </a:r>
             <a:r>
-              <a:rPr lang="en-US" dirty="0" smtClean="0"/>
+              <a:rPr lang="en-US" dirty="0"/>
               <a:t> </a:t>
             </a:r>
             <a:r>
@@ -12682,43 +12546,30 @@
               <a:t>cases</a:t>
             </a:r>
             <a:r>
-              <a:rPr lang="en-US" dirty="0" smtClean="0"/>
+              <a:rPr lang="en-US" dirty="0"/>
               <a:t> </a:t>
             </a:r>
           </a:p>
           <a:p>
             <a:pPr lvl="1" latinLnBrk="0"/>
             <a:r>
-              <a:rPr lang="en-US" dirty="0" smtClean="0"/>
-              <a:t>Representing </a:t>
-            </a:r>
-            <a:r>
-              <a:rPr lang="en-US" dirty="0" smtClean="0"/>
-              <a:t>the current page number in a paginated collection</a:t>
+              <a:rPr lang="en-US" dirty="0"/>
+              <a:t>Representing the current page number in a paginated collection</a:t>
             </a:r>
           </a:p>
           <a:p>
             <a:pPr lvl="1" latinLnBrk="0"/>
             <a:r>
-              <a:rPr lang="en-US" dirty="0" smtClean="0"/>
-              <a:t>Filter </a:t>
-            </a:r>
-            <a:r>
-              <a:rPr lang="en-US" dirty="0" smtClean="0"/>
-              <a:t>criteria</a:t>
+              <a:rPr lang="en-US" dirty="0"/>
+              <a:t>Filter criteria</a:t>
             </a:r>
           </a:p>
           <a:p>
             <a:pPr lvl="1" latinLnBrk="0"/>
             <a:r>
-              <a:rPr lang="en-US" dirty="0" smtClean="0"/>
-              <a:t>Sorting </a:t>
-            </a:r>
-            <a:r>
-              <a:rPr lang="en-US" dirty="0" smtClean="0"/>
-              <a:t>criteria</a:t>
-            </a:r>
-            <a:endParaRPr lang="en-US" dirty="0"/>
+              <a:rPr lang="en-US" dirty="0"/>
+              <a:t>Sorting criteria</a:t>
+            </a:r>
           </a:p>
         </p:txBody>
       </p:sp>
@@ -12738,10 +12589,9 @@
           <a:lstStyle/>
           <a:p>
             <a:r>
-              <a:rPr lang="en-US" dirty="0" smtClean="0"/>
+              <a:rPr lang="en-US" dirty="0"/>
               <a:t>Query Parameters</a:t>
             </a:r>
-            <a:endParaRPr lang="en-US" dirty="0"/>
           </a:p>
         </p:txBody>
       </p:sp>
@@ -13200,13 +13050,6 @@
       <p:transition spd="slow" advClick="0" advTm="5000"/>
     </mc:Fallback>
   </mc:AlternateContent>
-  <p:timing>
-    <p:tnLst>
-      <p:par>
-        <p:cTn id="1" dur="indefinite" restart="never" nodeType="tmRoot"/>
-      </p:par>
-    </p:tnLst>
-  </p:timing>
 </p:sld>
 </file>
 
@@ -13243,10 +13086,9 @@
           <a:lstStyle/>
           <a:p>
             <a:r>
-              <a:rPr lang="en-US" smtClean="0"/>
+              <a:rPr lang="en-US"/>
               <a:t>Navigation for Single Page Apps</a:t>
             </a:r>
-            <a:endParaRPr lang="en-US"/>
           </a:p>
         </p:txBody>
       </p:sp>
@@ -13302,10 +13144,9 @@
           <a:lstStyle/>
           <a:p>
             <a:r>
-              <a:rPr lang="en-US" smtClean="0"/>
+              <a:rPr lang="en-US"/>
               <a:t>Routing Concepts</a:t>
             </a:r>
-            <a:endParaRPr lang="en-US"/>
           </a:p>
         </p:txBody>
       </p:sp>
@@ -13327,13 +13168,6 @@
       <p:transition spd="slow" advClick="0" advTm="5000"/>
     </mc:Fallback>
   </mc:AlternateContent>
-  <p:timing>
-    <p:tnLst>
-      <p:par>
-        <p:cTn id="1" dur="indefinite" restart="never" nodeType="tmRoot"/>
-      </p:par>
-    </p:tnLst>
-  </p:timing>
 </p:sld>
 </file>
 
@@ -13476,21 +13310,8 @@
                   <a:schemeClr val="bg1"/>
                 </a:solidFill>
               </a:rPr>
-              <a:t>clicks on a </a:t>
-            </a:r>
-            <a:r>
-              <a:rPr lang="en-US" sz="3600" b="1" dirty="0" smtClean="0">
-                <a:solidFill>
-                  <a:schemeClr val="bg1"/>
-                </a:solidFill>
-              </a:rPr>
-              <a:t>link</a:t>
-            </a:r>
-            <a:endParaRPr lang="en-US" sz="3600" b="1" dirty="0">
-              <a:solidFill>
-                <a:schemeClr val="bg1"/>
-              </a:solidFill>
-            </a:endParaRPr>
+              <a:t>clicks on a link</a:t>
+            </a:r>
           </a:p>
         </p:txBody>
       </p:sp>
@@ -13790,12 +13611,8 @@
               </a:lnSpc>
             </a:pPr>
             <a:r>
-              <a:rPr lang="en-US" sz="3600" dirty="0" smtClean="0"/>
-              <a:t>Using </a:t>
-            </a:r>
-            <a:r>
               <a:rPr lang="en-US" sz="3600" dirty="0"/>
-              <a:t>the </a:t>
+              <a:t>Using the </a:t>
             </a:r>
             <a:r>
               <a:rPr lang="en-US" sz="3600" b="1" dirty="0">
@@ -13811,15 +13628,7 @@
             </a:r>
             <a:r>
               <a:rPr lang="en-US" sz="3600" dirty="0"/>
-              <a:t>part of the URL </a:t>
-            </a:r>
-            <a:r>
-              <a:rPr lang="en-US" sz="3600" dirty="0" smtClean="0"/>
-              <a:t>to </a:t>
-            </a:r>
-            <a:r>
-              <a:rPr lang="en-US" sz="3600" dirty="0"/>
-              <a:t>simulate different content</a:t>
+              <a:t>part of the URL to simulate different content</a:t>
             </a:r>
           </a:p>
           <a:p>
@@ -13830,15 +13639,7 @@
             </a:pPr>
             <a:r>
               <a:rPr lang="en-US" sz="3600" dirty="0"/>
-              <a:t>The routing is possible because </a:t>
-            </a:r>
-            <a:r>
-              <a:rPr lang="en-US" sz="3600" dirty="0" smtClean="0"/>
-              <a:t>changes </a:t>
-            </a:r>
-            <a:r>
-              <a:rPr lang="en-US" sz="3600" dirty="0"/>
-              <a:t>in the hash </a:t>
+              <a:t>The routing is possible because changes in the hash </a:t>
             </a:r>
             <a:r>
               <a:rPr lang="en-US" sz="3600" b="1" dirty="0">
@@ -13862,23 +13663,7 @@
                   <a:schemeClr val="bg1"/>
                 </a:solidFill>
               </a:rPr>
-              <a:t>t </a:t>
-            </a:r>
-            <a:r>
-              <a:rPr lang="en-US" sz="3600" b="1" dirty="0" smtClean="0">
-                <a:solidFill>
-                  <a:schemeClr val="bg1"/>
-                </a:solidFill>
-              </a:rPr>
-              <a:t>trigger </a:t>
-            </a:r>
-            <a:r>
-              <a:rPr lang="en-US" sz="3600" b="1" dirty="0">
-                <a:solidFill>
-                  <a:schemeClr val="bg1"/>
-                </a:solidFill>
-              </a:rPr>
-              <a:t>page reload</a:t>
+              <a:t>t trigger page reload</a:t>
             </a:r>
           </a:p>
         </p:txBody>
@@ -13905,13 +13690,8 @@
             </a:pPr>
             <a:r>
               <a:rPr lang="en-US" sz="4000" dirty="0"/>
-              <a:t>Hash-based </a:t>
-            </a:r>
-            <a:r>
-              <a:rPr lang="en-US" sz="4000" dirty="0" smtClean="0"/>
-              <a:t>Routing</a:t>
-            </a:r>
-            <a:endParaRPr lang="en-US" sz="4000" dirty="0"/>
+              <a:t>Hash-based Routing</a:t>
+            </a:r>
           </a:p>
         </p:txBody>
       </p:sp>
@@ -14141,41 +13921,17 @@
           <a:lstStyle/>
           <a:p>
             <a:r>
-              <a:rPr lang="en-US" sz="3400" dirty="0" smtClean="0">
-                <a:latin typeface="+mj-lt"/>
-              </a:rPr>
-              <a:t>Extracting </a:t>
-            </a:r>
-            <a:r>
               <a:rPr lang="en-US" sz="3400" dirty="0">
                 <a:latin typeface="+mj-lt"/>
               </a:rPr>
-              <a:t>the hash from </a:t>
-            </a:r>
-            <a:r>
-              <a:rPr lang="en-US" sz="3400" dirty="0" smtClean="0">
-                <a:latin typeface="+mj-lt"/>
-              </a:rPr>
-              <a:t>the </a:t>
-            </a:r>
-            <a:r>
-              <a:rPr lang="en-US" sz="3400" dirty="0">
-                <a:latin typeface="+mj-lt"/>
-              </a:rPr>
-              <a:t>entire </a:t>
-            </a:r>
-            <a:r>
-              <a:rPr lang="en-US" sz="3400" dirty="0" smtClean="0">
-                <a:latin typeface="+mj-lt"/>
-              </a:rPr>
-              <a:t>URL</a:t>
+              <a:t>Extracting the hash from the entire URL</a:t>
             </a:r>
           </a:p>
           <a:p>
             <a:pPr marL="0" indent="0">
               <a:buNone/>
             </a:pPr>
-            <a:endParaRPr lang="en-US" sz="3400" dirty="0" smtClean="0">
+            <a:endParaRPr lang="en-US" sz="3400" dirty="0">
               <a:latin typeface="Consolas" panose="020B0609020204030204" pitchFamily="49" charset="0"/>
             </a:endParaRPr>
           </a:p>
@@ -14205,7 +13961,7 @@
           <a:lstStyle/>
           <a:p>
             <a:r>
-              <a:rPr lang="en-US" smtClean="0"/>
+              <a:rPr lang="en-US"/>
               <a:t>Example</a:t>
             </a:r>
             <a:endParaRPr lang="bg-BG" dirty="0"/>
@@ -14732,10 +14488,9 @@
           <a:lstStyle/>
           <a:p>
             <a:r>
-              <a:rPr lang="en-US" dirty="0" smtClean="0"/>
+              <a:rPr lang="en-US" dirty="0"/>
               <a:t>Subscribe for changes</a:t>
             </a:r>
-            <a:endParaRPr lang="en-US" dirty="0"/>
           </a:p>
         </p:txBody>
       </p:sp>
@@ -14755,7 +14510,7 @@
           <a:lstStyle/>
           <a:p>
             <a:r>
-              <a:rPr lang="en-US" smtClean="0"/>
+              <a:rPr lang="en-US"/>
               <a:t>Example</a:t>
             </a:r>
             <a:endParaRPr lang="bg-BG" dirty="0"/>
@@ -15624,7 +15379,7 @@
               <a:buAutoNum type="arabicPeriod"/>
             </a:pPr>
             <a:r>
-              <a:rPr lang="en-US" sz="3200" dirty="0" smtClean="0"/>
+              <a:rPr lang="en-US" sz="3200" dirty="0"/>
               <a:t>Single Page Application</a:t>
             </a:r>
           </a:p>
@@ -15637,12 +15392,8 @@
               <a:buAutoNum type="arabicPeriod"/>
             </a:pPr>
             <a:r>
-              <a:rPr lang="en-US" sz="3200" dirty="0" smtClean="0"/>
-              <a:t>Routing </a:t>
-            </a:r>
-            <a:r>
               <a:rPr lang="en-US" sz="3200" dirty="0"/>
-              <a:t>Concepts</a:t>
+              <a:t>Routing Concepts</a:t>
             </a:r>
           </a:p>
           <a:p>
@@ -15667,7 +15418,7 @@
               <a:buAutoNum type="arabicPeriod"/>
             </a:pPr>
             <a:r>
-              <a:rPr lang="en-US" sz="3200" dirty="0" smtClean="0"/>
+              <a:rPr lang="en-US" sz="3200" dirty="0"/>
               <a:t>Handling Forms</a:t>
             </a:r>
             <a:endParaRPr lang="bg-BG" sz="3200" dirty="0"/>
@@ -15692,7 +15443,7 @@
           <a:lstStyle/>
           <a:p>
             <a:r>
-              <a:rPr lang="en-US" smtClean="0"/>
+              <a:rPr lang="en-US"/>
               <a:t>Table of Contents</a:t>
             </a:r>
             <a:endParaRPr lang="bg-BG" dirty="0"/>
@@ -15980,15 +15731,11 @@
           <a:p>
             <a:pPr fontAlgn="base" latinLnBrk="0"/>
             <a:r>
-              <a:rPr lang="en-US" dirty="0" smtClean="0"/>
-              <a:t>You </a:t>
-            </a:r>
-            <a:r>
               <a:rPr lang="en-US" dirty="0"/>
-              <a:t>can actually surface real </a:t>
-            </a:r>
-            <a:r>
-              <a:rPr lang="en-US" b="1" dirty="0" smtClean="0">
+              <a:t>You can actually surface real </a:t>
+            </a:r>
+            <a:r>
+              <a:rPr lang="en-US" b="1" dirty="0">
                 <a:solidFill>
                   <a:schemeClr val="bg1"/>
                 </a:solidFill>
@@ -15996,7 +15743,7 @@
               <a:t>server-side</a:t>
             </a:r>
             <a:r>
-              <a:rPr lang="en-US" dirty="0" smtClean="0"/>
+              <a:rPr lang="en-US" dirty="0"/>
               <a:t> </a:t>
             </a:r>
             <a:r>
@@ -16011,21 +15758,12 @@
               <a:rPr lang="en-US" dirty="0"/>
               <a:t> to support things like SEO and Facebook Open Graph </a:t>
             </a:r>
-            <a:endParaRPr lang="en-US" dirty="0" smtClean="0"/>
           </a:p>
           <a:p>
             <a:pPr fontAlgn="base" latinLnBrk="0"/>
             <a:r>
-              <a:rPr lang="en-US" dirty="0" smtClean="0"/>
-              <a:t>It </a:t>
-            </a:r>
-            <a:r>
               <a:rPr lang="en-US" dirty="0"/>
-              <a:t>helps </a:t>
-            </a:r>
-            <a:r>
-              <a:rPr lang="en-US" dirty="0" smtClean="0"/>
-              <a:t>with </a:t>
+              <a:t>It helps with </a:t>
             </a:r>
             <a:r>
               <a:rPr lang="en-US" b="1" dirty="0">
@@ -16078,16 +15816,8 @@
           <a:p>
             <a:pPr fontAlgn="base" latinLnBrk="0"/>
             <a:r>
-              <a:rPr lang="en-US" dirty="0" smtClean="0"/>
-              <a:t>You </a:t>
-            </a:r>
-            <a:r>
               <a:rPr lang="en-US" dirty="0"/>
-              <a:t>can actually use hash tag for what is was meant </a:t>
-            </a:r>
-            <a:r>
-              <a:rPr lang="en-US" dirty="0" smtClean="0"/>
-              <a:t>for, </a:t>
+              <a:t>You can actually use hash tag for what is was meant for, </a:t>
             </a:r>
             <a:r>
               <a:rPr lang="en-US" b="1" dirty="0">
@@ -16098,7 +15828,7 @@
               <a:t>deep</a:t>
             </a:r>
             <a:r>
-              <a:rPr lang="en-US" dirty="0" smtClean="0"/>
+              <a:rPr lang="en-US" dirty="0"/>
               <a:t> </a:t>
             </a:r>
             <a:r>
@@ -16110,7 +15840,7 @@
               <a:t>linking</a:t>
             </a:r>
             <a:r>
-              <a:rPr lang="en-US" dirty="0" smtClean="0"/>
+              <a:rPr lang="en-US" dirty="0"/>
               <a:t> to sections of long pages</a:t>
             </a:r>
           </a:p>
@@ -16132,10 +15862,9 @@
           <a:lstStyle/>
           <a:p>
             <a:r>
-              <a:rPr lang="en-US" dirty="0" smtClean="0"/>
+              <a:rPr lang="en-US" dirty="0"/>
               <a:t>Push-Based Routing</a:t>
             </a:r>
-            <a:endParaRPr lang="en-US" dirty="0"/>
           </a:p>
         </p:txBody>
       </p:sp>
@@ -16426,20 +16155,8 @@
           <a:p>
             <a:pPr latinLnBrk="0"/>
             <a:r>
-              <a:rPr lang="en-US" sz="3400" dirty="0" smtClean="0"/>
-              <a:t>Provides </a:t>
-            </a:r>
-            <a:r>
               <a:rPr lang="en-US" sz="3400" dirty="0"/>
-              <a:t>access to the </a:t>
-            </a:r>
-            <a:r>
-              <a:rPr lang="en-US" sz="3400" dirty="0" smtClean="0"/>
-              <a:t>browser's </a:t>
-            </a:r>
-            <a:r>
-              <a:rPr lang="en-US" sz="3400" dirty="0"/>
-              <a:t>history through the </a:t>
+              <a:t>Provides access to the browser's history through the </a:t>
             </a:r>
             <a:r>
               <a:rPr lang="en-US" sz="3400" b="1" dirty="0">
@@ -16452,11 +16169,7 @@
             </a:r>
             <a:r>
               <a:rPr lang="en-US" sz="3400" dirty="0"/>
-              <a:t> </a:t>
-            </a:r>
-            <a:r>
-              <a:rPr lang="en-US" sz="3400" dirty="0" smtClean="0"/>
-              <a:t>object</a:t>
+              <a:t> object</a:t>
             </a:r>
           </a:p>
           <a:p>
@@ -16466,7 +16179,7 @@
               </a:buClr>
             </a:pPr>
             <a:r>
-              <a:rPr lang="en-US" sz="3400" b="1" dirty="0" smtClean="0">
+              <a:rPr lang="en-US" sz="3400" b="1" dirty="0">
                 <a:solidFill>
                   <a:schemeClr val="bg1"/>
                 </a:solidFill>
@@ -16474,12 +16187,8 @@
               <a:t>HTML5</a:t>
             </a:r>
             <a:r>
-              <a:rPr lang="en-US" sz="3400" dirty="0" smtClean="0"/>
-              <a:t> </a:t>
-            </a:r>
-            <a:r>
               <a:rPr lang="en-US" sz="3400" dirty="0"/>
-              <a:t>introduced the </a:t>
+              <a:t> introduced the </a:t>
             </a:r>
             <a:r>
               <a:rPr lang="en-US" sz="3400" b="1" dirty="0">
@@ -16503,7 +16212,7 @@
               <a:t>and </a:t>
             </a:r>
             <a:r>
-              <a:rPr lang="en-US" sz="3400" b="1" dirty="0" err="1" smtClean="0">
+              <a:rPr lang="en-US" sz="3400" b="1" dirty="0" err="1">
                 <a:solidFill>
                   <a:schemeClr val="bg1"/>
                 </a:solidFill>
@@ -16528,17 +16237,13 @@
               </a:rPr>
               <a:t> </a:t>
             </a:r>
-            <a:endParaRPr lang="en-US" sz="3400" dirty="0" smtClean="0"/>
+            <a:endParaRPr lang="en-US" sz="3400" dirty="0"/>
           </a:p>
           <a:p>
             <a:pPr lvl="1" latinLnBrk="0"/>
             <a:r>
-              <a:rPr lang="en-US" sz="3200" dirty="0" smtClean="0"/>
-              <a:t>They allow </a:t>
-            </a:r>
-            <a:r>
               <a:rPr lang="en-US" sz="3200" dirty="0"/>
-              <a:t>you to add and modify </a:t>
+              <a:t>They allow you to add and modify </a:t>
             </a:r>
             <a:r>
               <a:rPr lang="en-US" sz="3200" b="1" dirty="0">
@@ -16546,33 +16251,17 @@
                   <a:schemeClr val="bg1"/>
                 </a:solidFill>
               </a:rPr>
-              <a:t>history </a:t>
-            </a:r>
-            <a:r>
-              <a:rPr lang="en-US" sz="3200" b="1" dirty="0" smtClean="0">
-                <a:solidFill>
-                  <a:schemeClr val="bg1"/>
-                </a:solidFill>
-              </a:rPr>
-              <a:t>entries</a:t>
+              <a:t>history entries</a:t>
             </a:r>
           </a:p>
           <a:p>
             <a:pPr lvl="1" latinLnBrk="0"/>
             <a:r>
-              <a:rPr lang="en-US" sz="3200" dirty="0" smtClean="0"/>
-              <a:t>These </a:t>
-            </a:r>
-            <a:r>
               <a:rPr lang="en-US" sz="3200" dirty="0"/>
-              <a:t>methods work in conjunction with </a:t>
-            </a:r>
-            <a:r>
-              <a:rPr lang="en-US" sz="3200" dirty="0" smtClean="0"/>
-              <a:t>the </a:t>
-            </a:r>
-            <a:r>
-              <a:rPr lang="en-US" sz="3200" b="1" dirty="0" err="1" smtClean="0">
+              <a:t>These methods work in conjunction with the </a:t>
+            </a:r>
+            <a:r>
+              <a:rPr lang="en-US" sz="3200" b="1" dirty="0" err="1">
                 <a:solidFill>
                   <a:schemeClr val="bg1"/>
                 </a:solidFill>
@@ -16581,7 +16270,7 @@
               <a:t>popstate</a:t>
             </a:r>
             <a:r>
-              <a:rPr lang="en-US" sz="3200" b="1" dirty="0" smtClean="0">
+              <a:rPr lang="en-US" sz="3200" b="1" dirty="0">
                 <a:solidFill>
                   <a:schemeClr val="bg1"/>
                 </a:solidFill>
@@ -16618,7 +16307,7 @@
           <a:lstStyle/>
           <a:p>
             <a:r>
-              <a:rPr lang="en-US" dirty="0" smtClean="0"/>
+              <a:rPr lang="en-US" dirty="0"/>
               <a:t>History API</a:t>
             </a:r>
             <a:endParaRPr lang="bg-BG" dirty="0"/>
@@ -16926,13 +16615,8 @@
             </a:pPr>
             <a:r>
               <a:rPr lang="en-US" sz="3400" dirty="0"/>
-              <a:t>Adds new </a:t>
-            </a:r>
-            <a:r>
-              <a:rPr lang="en-US" sz="3400" dirty="0" smtClean="0"/>
-              <a:t>object to the history of the browser</a:t>
-            </a:r>
-            <a:endParaRPr lang="en-US" sz="3400" dirty="0"/>
+              <a:t>Adds new object to the history of the browser</a:t>
+            </a:r>
           </a:p>
           <a:p>
             <a:pPr latinLnBrk="0">
@@ -16950,22 +16634,14 @@
               </a:buClr>
             </a:pPr>
             <a:r>
-              <a:rPr lang="en-US" sz="3400" dirty="0" smtClean="0">
+              <a:rPr lang="en-US" sz="3400" dirty="0">
                 <a:latin typeface="Consolas" panose="020B0609020204030204" pitchFamily="49" charset="0"/>
               </a:rPr>
               <a:t>T</a:t>
             </a:r>
             <a:r>
-              <a:rPr lang="en-US" sz="3400" dirty="0" smtClean="0"/>
-              <a:t>akes </a:t>
-            </a:r>
-            <a:r>
               <a:rPr lang="en-US" sz="3400" dirty="0"/>
-              <a:t>three parameters</a:t>
-            </a:r>
-            <a:r>
-              <a:rPr lang="en-US" sz="3400" dirty="0" smtClean="0"/>
-              <a:t>:</a:t>
+              <a:t>akes three parameters:</a:t>
             </a:r>
             <a:endParaRPr lang="en-US" sz="3400" b="1" dirty="0">
               <a:solidFill>
@@ -16996,7 +16672,7 @@
               </a:rPr>
               <a:t>State </a:t>
             </a:r>
-            <a:endParaRPr lang="en-US" sz="3200" dirty="0" smtClean="0"/>
+            <a:endParaRPr lang="en-US" sz="3200" dirty="0"/>
           </a:p>
           <a:p>
             <a:pPr lvl="2" latinLnBrk="0">
@@ -17014,12 +16690,8 @@
               </a:buClr>
             </a:pPr>
             <a:r>
-              <a:rPr lang="en-US" sz="3000" dirty="0" smtClean="0"/>
-              <a:t>Object </a:t>
-            </a:r>
-            <a:r>
               <a:rPr lang="en-US" sz="3000" dirty="0"/>
-              <a:t>which is associated with the new history entry</a:t>
+              <a:t>Object which is associated with the new history entry</a:t>
             </a:r>
           </a:p>
           <a:p>
@@ -17045,11 +16717,6 @@
               </a:rPr>
               <a:t>Title </a:t>
             </a:r>
-            <a:endParaRPr lang="en-US" sz="3200" b="1" dirty="0">
-              <a:solidFill>
-                <a:schemeClr val="bg1"/>
-              </a:solidFill>
-            </a:endParaRPr>
           </a:p>
           <a:p>
             <a:pPr lvl="2" latinLnBrk="0">
@@ -17067,12 +16734,8 @@
               </a:buClr>
             </a:pPr>
             <a:r>
-              <a:rPr lang="en-US" sz="3000" dirty="0" smtClean="0"/>
-              <a:t>Browsers </a:t>
-            </a:r>
-            <a:r>
               <a:rPr lang="en-US" sz="3000" dirty="0"/>
-              <a:t>currently ignore this parameter </a:t>
+              <a:t>Browsers currently ignore this parameter </a:t>
             </a:r>
           </a:p>
           <a:p>
@@ -17115,12 +16778,8 @@
               </a:buClr>
             </a:pPr>
             <a:r>
-              <a:rPr lang="en-US" sz="3000" dirty="0" smtClean="0"/>
-              <a:t>The </a:t>
-            </a:r>
-            <a:r>
               <a:rPr lang="en-US" sz="3000" dirty="0"/>
-              <a:t>new history entry's URL is given by this parameter </a:t>
+              <a:t>The new history entry's URL is given by this parameter </a:t>
             </a:r>
           </a:p>
           <a:p>
@@ -17164,13 +16823,8 @@
             </a:r>
             <a:r>
               <a:rPr lang="en-US" sz="3000" dirty="0"/>
-              <a:t> as the current </a:t>
-            </a:r>
-            <a:r>
-              <a:rPr lang="en-US" sz="3000" dirty="0" smtClean="0"/>
-              <a:t>URL</a:t>
-            </a:r>
-            <a:endParaRPr lang="en-US" sz="3000" dirty="0"/>
+              <a:t> as the current URL</a:t>
+            </a:r>
           </a:p>
         </p:txBody>
       </p:sp>
@@ -17196,7 +16850,7 @@
           <a:lstStyle/>
           <a:p>
             <a:r>
-              <a:rPr lang="en-GB" smtClean="0"/>
+              <a:rPr lang="en-GB"/>
               <a:t>The PushState() Method</a:t>
             </a:r>
             <a:endParaRPr lang="bg-BG" dirty="0"/>
@@ -17737,7 +17391,7 @@
               </a:buClr>
             </a:pPr>
             <a:r>
-              <a:rPr lang="en-US" sz="3400" b="1" dirty="0" smtClean="0">
+              <a:rPr lang="en-US" sz="3400" b="1" dirty="0">
                 <a:solidFill>
                   <a:schemeClr val="bg1"/>
                 </a:solidFill>
@@ -17746,28 +17400,16 @@
               <a:t>M</a:t>
             </a:r>
             <a:r>
-              <a:rPr lang="en-US" sz="3400" b="1" dirty="0" smtClean="0">
-                <a:solidFill>
-                  <a:schemeClr val="bg1"/>
-                </a:solidFill>
-              </a:rPr>
-              <a:t>odifies </a:t>
-            </a:r>
-            <a:r>
               <a:rPr lang="en-US" sz="3400" b="1" dirty="0">
                 <a:solidFill>
                   <a:schemeClr val="bg1"/>
                 </a:solidFill>
               </a:rPr>
-              <a:t>the current history entry </a:t>
-            </a:r>
-            <a:r>
-              <a:rPr lang="en-US" sz="3400" dirty="0" smtClean="0"/>
-              <a:t>instead </a:t>
+              <a:t>odifies the current history entry </a:t>
             </a:r>
             <a:r>
               <a:rPr lang="en-US" sz="3400" dirty="0"/>
-              <a:t>of creating a new one</a:t>
+              <a:t>instead of creating a new one</a:t>
             </a:r>
           </a:p>
           <a:p>
@@ -17786,23 +17428,11 @@
                   <a:schemeClr val="bg1"/>
                 </a:solidFill>
               </a:rPr>
-              <a:t>state </a:t>
-            </a:r>
-            <a:r>
-              <a:rPr lang="en-US" sz="3400" b="1" dirty="0" smtClean="0">
-                <a:solidFill>
-                  <a:schemeClr val="bg1"/>
-                </a:solidFill>
-              </a:rPr>
-              <a:t>object</a:t>
-            </a:r>
-            <a:r>
-              <a:rPr lang="en-US" sz="3400" dirty="0" smtClean="0"/>
-              <a:t> </a:t>
+              <a:t>state object</a:t>
             </a:r>
             <a:r>
               <a:rPr lang="en-US" sz="3400" dirty="0"/>
-              <a:t>or </a:t>
+              <a:t> or </a:t>
             </a:r>
             <a:r>
               <a:rPr lang="en-US" sz="3400" b="1" dirty="0">
@@ -17814,11 +17444,7 @@
             </a:r>
             <a:r>
               <a:rPr lang="en-US" sz="3400" dirty="0"/>
-              <a:t> of the current history </a:t>
-            </a:r>
-            <a:r>
-              <a:rPr lang="en-US" sz="3400" dirty="0" smtClean="0"/>
-              <a:t>entry</a:t>
+              <a:t> of the current history entry</a:t>
             </a:r>
             <a:endParaRPr lang="bg-BG" dirty="0"/>
           </a:p>
@@ -17848,7 +17474,7 @@
           <a:lstStyle/>
           <a:p>
             <a:r>
-              <a:rPr lang="en-GB" smtClean="0"/>
+              <a:rPr lang="en-GB"/>
               <a:t>The ReplaceState() Method</a:t>
             </a:r>
             <a:endParaRPr lang="bg-BG" dirty="0"/>
@@ -17960,12 +17586,6 @@
             </a:r>
           </a:p>
           <a:p>
-            <a:r>
-              <a:rPr lang="en-US" sz="2400" b="1" dirty="0">
-                <a:latin typeface="Consolas" panose="020B0609020204030204" pitchFamily="49" charset="0"/>
-              </a:rPr>
-              <a:t/>
-            </a:r>
             <a:br>
               <a:rPr lang="en-US" sz="2400" b="1" dirty="0">
                 <a:latin typeface="Consolas" panose="020B0609020204030204" pitchFamily="49" charset="0"/>
@@ -18237,28 +17857,8 @@
           <a:p>
             <a:pPr latinLnBrk="0"/>
             <a:r>
-              <a:rPr lang="en-US" sz="3400" dirty="0" smtClean="0"/>
-              <a:t>Dispatched </a:t>
-            </a:r>
-            <a:r>
               <a:rPr lang="en-US" sz="3400" dirty="0"/>
-              <a:t>to the window every time the active </a:t>
-            </a:r>
-            <a:r>
-              <a:rPr lang="en-US" sz="3400" dirty="0" smtClean="0"/>
-              <a:t>history</a:t>
-            </a:r>
-            <a:r>
-              <a:rPr lang="en-US" sz="3400" dirty="0"/>
-              <a:t> </a:t>
-            </a:r>
-            <a:r>
-              <a:rPr lang="en-US" sz="3400" dirty="0" smtClean="0"/>
-              <a:t>entry </a:t>
-            </a:r>
-            <a:r>
-              <a:rPr lang="en-US" sz="3400" dirty="0"/>
-              <a:t>changes</a:t>
+              <a:t>Dispatched to the window every time the active history entry changes</a:t>
             </a:r>
           </a:p>
           <a:p>
@@ -18277,15 +17877,7 @@
             </a:r>
             <a:r>
               <a:rPr lang="en-US" sz="3400" dirty="0"/>
-              <a:t> or </a:t>
-            </a:r>
-            <a:r>
-              <a:rPr lang="en-US" sz="3400" dirty="0" smtClean="0"/>
-              <a:t>affected </a:t>
-            </a:r>
-            <a:r>
-              <a:rPr lang="en-US" sz="3400" dirty="0"/>
-              <a:t>by a call to </a:t>
+              <a:t> or affected by a call to </a:t>
             </a:r>
             <a:r>
               <a:rPr lang="en-US" sz="3400" b="1" dirty="0">
@@ -18300,16 +17892,15 @@
               <a:rPr lang="en-US" sz="3400" dirty="0"/>
               <a:t>, </a:t>
             </a:r>
-            <a:endParaRPr lang="en-US" sz="3400" dirty="0" smtClean="0"/>
           </a:p>
           <a:p>
             <a:pPr latinLnBrk="0"/>
             <a:r>
-              <a:rPr lang="en-US" sz="3400" dirty="0" smtClean="0"/>
+              <a:rPr lang="en-US" sz="3400" dirty="0"/>
               <a:t>The </a:t>
             </a:r>
             <a:r>
-              <a:rPr lang="en-US" sz="3400" b="1" dirty="0" err="1" smtClean="0">
+              <a:rPr lang="en-US" sz="3400" b="1" dirty="0" err="1">
                 <a:solidFill>
                   <a:schemeClr val="bg1"/>
                 </a:solidFill>
@@ -18318,12 +17909,8 @@
               <a:t>popstate</a:t>
             </a:r>
             <a:r>
-              <a:rPr lang="en-US" sz="3400" dirty="0" smtClean="0"/>
-              <a:t> </a:t>
-            </a:r>
-            <a:r>
               <a:rPr lang="en-US" sz="3400" dirty="0"/>
-              <a:t>event's </a:t>
+              <a:t> event's </a:t>
             </a:r>
             <a:r>
               <a:rPr lang="en-US" sz="3400" b="1" dirty="0">
@@ -18343,12 +17930,8 @@
               <a:t> property </a:t>
             </a:r>
             <a:r>
-              <a:rPr lang="en-US" sz="3400" dirty="0" smtClean="0"/>
-              <a:t>contains </a:t>
-            </a:r>
-            <a:r>
               <a:rPr lang="en-US" sz="3400" dirty="0"/>
-              <a:t>a copy of the history entry’s state object</a:t>
+              <a:t>contains a copy of the history entry’s state object</a:t>
             </a:r>
           </a:p>
           <a:p>
@@ -18358,7 +17941,7 @@
               <a:t>You can read the state of the current history entry without waiting for a </a:t>
             </a:r>
             <a:r>
-              <a:rPr lang="en-US" sz="3400" b="1" dirty="0" err="1" smtClean="0">
+              <a:rPr lang="en-US" sz="3400" b="1" dirty="0" err="1">
                 <a:solidFill>
                   <a:schemeClr val="bg1"/>
                 </a:solidFill>
@@ -18367,12 +17950,8 @@
               <a:t>popstate</a:t>
             </a:r>
             <a:r>
-              <a:rPr lang="en-US" sz="3400" dirty="0" smtClean="0"/>
-              <a:t> </a:t>
-            </a:r>
-            <a:r>
               <a:rPr lang="en-US" sz="3400" dirty="0"/>
-              <a:t>event using the </a:t>
+              <a:t> event using the </a:t>
             </a:r>
             <a:r>
               <a:rPr lang="en-US" sz="3400" b="1" dirty="0">
@@ -18421,7 +18000,7 @@
           <a:lstStyle/>
           <a:p>
             <a:r>
-              <a:rPr lang="en-GB" smtClean="0"/>
+              <a:rPr lang="en-GB"/>
               <a:t>The Popstate Event</a:t>
             </a:r>
             <a:endParaRPr lang="bg-BG" dirty="0"/>
@@ -18776,10 +18355,9 @@
           <a:lstStyle/>
           <a:p>
             <a:r>
-              <a:rPr lang="en-US" smtClean="0"/>
+              <a:rPr lang="en-US"/>
               <a:t>Live Demo</a:t>
             </a:r>
-            <a:endParaRPr lang="en-US"/>
           </a:p>
         </p:txBody>
       </p:sp>
@@ -18837,13 +18415,6 @@
       <p:transition spd="slow" advClick="0" advTm="5000"/>
     </mc:Fallback>
   </mc:AlternateContent>
-  <p:timing>
-    <p:tnLst>
-      <p:par>
-        <p:cTn id="1" dur="indefinite" restart="never" nodeType="tmRoot"/>
-      </p:par>
-    </p:tnLst>
-  </p:timing>
 </p:sld>
 </file>
 
@@ -19666,26 +19237,13 @@
               <a:buChar char="§"/>
             </a:pPr>
             <a:r>
-              <a:rPr lang="en-US" sz="3200" dirty="0" smtClean="0">
-                <a:solidFill>
-                  <a:schemeClr val="bg2"/>
-                </a:solidFill>
-              </a:rPr>
-              <a:t>Multi </a:t>
-            </a:r>
-            <a:r>
               <a:rPr lang="en-US" sz="3200" dirty="0">
                 <a:solidFill>
                   <a:schemeClr val="bg2"/>
                 </a:solidFill>
               </a:rPr>
-              <a:t>Page Application </a:t>
-            </a:r>
-            <a:endParaRPr lang="en-US" sz="3200" dirty="0" smtClean="0">
-              <a:solidFill>
-                <a:schemeClr val="bg2"/>
-              </a:solidFill>
-            </a:endParaRPr>
+              <a:t>Multi Page Application </a:t>
+            </a:r>
           </a:p>
           <a:p>
             <a:pPr marL="914400" lvl="1" indent="-457200">
@@ -19696,7 +19254,7 @@
               <a:buChar char="§"/>
             </a:pPr>
             <a:r>
-              <a:rPr lang="en-US" sz="3200" b="1" dirty="0" smtClean="0">
+              <a:rPr lang="en-US" sz="3200" b="1" dirty="0">
                 <a:solidFill>
                   <a:schemeClr val="bg1"/>
                 </a:solidFill>
@@ -19704,28 +19262,12 @@
               <a:t>Reloads</a:t>
             </a:r>
             <a:r>
-              <a:rPr lang="en-US" sz="3200" dirty="0" smtClean="0">
-                <a:solidFill>
-                  <a:schemeClr val="bg2"/>
-                </a:solidFill>
-              </a:rPr>
-              <a:t> </a:t>
-            </a:r>
-            <a:r>
               <a:rPr lang="en-US" sz="3200" dirty="0">
                 <a:solidFill>
                   <a:schemeClr val="bg2"/>
                 </a:solidFill>
               </a:rPr>
-              <a:t>the entire </a:t>
-            </a:r>
-            <a:r>
-              <a:rPr lang="en-US" sz="3200" dirty="0" smtClean="0">
-                <a:solidFill>
-                  <a:schemeClr val="bg2"/>
-                </a:solidFill>
-              </a:rPr>
-              <a:t>page</a:t>
+              <a:t> the entire page</a:t>
             </a:r>
           </a:p>
           <a:p>
@@ -19737,7 +19279,7 @@
               <a:buChar char="§"/>
             </a:pPr>
             <a:r>
-              <a:rPr lang="en-US" sz="3200" dirty="0" smtClean="0">
+              <a:rPr lang="en-US" sz="3200" dirty="0">
                 <a:solidFill>
                   <a:schemeClr val="bg2"/>
                 </a:solidFill>
@@ -19762,26 +19304,13 @@
               <a:t>Re-renders</a:t>
             </a:r>
             <a:r>
-              <a:rPr lang="en-US" sz="3200" dirty="0" smtClean="0">
-                <a:solidFill>
-                  <a:schemeClr val="bg2"/>
-                </a:solidFill>
-              </a:rPr>
-              <a:t> </a:t>
-            </a:r>
-            <a:r>
               <a:rPr lang="en-US" sz="3200" dirty="0">
                 <a:solidFill>
                   <a:schemeClr val="bg2"/>
                 </a:solidFill>
               </a:rPr>
-              <a:t>its content</a:t>
-            </a:r>
-            <a:endParaRPr lang="en-US" sz="3200" dirty="0" smtClean="0">
-              <a:solidFill>
-                <a:schemeClr val="bg2"/>
-              </a:solidFill>
-            </a:endParaRPr>
+              <a:t> its content</a:t>
+            </a:r>
           </a:p>
           <a:p>
             <a:pPr marL="457200" indent="-457200">
@@ -19792,7 +19321,7 @@
               <a:buChar char="§"/>
             </a:pPr>
             <a:r>
-              <a:rPr lang="en-US" sz="3200" dirty="0" smtClean="0">
+              <a:rPr lang="en-US" sz="3200" dirty="0">
                 <a:solidFill>
                   <a:schemeClr val="bg2"/>
                 </a:solidFill>
@@ -19848,23 +19377,7 @@
                   <a:schemeClr val="bg2"/>
                 </a:solidFill>
               </a:rPr>
-              <a:t>History </a:t>
-            </a:r>
-            <a:r>
-              <a:rPr lang="en-US" sz="3200" dirty="0" smtClean="0">
-                <a:solidFill>
-                  <a:schemeClr val="bg2"/>
-                </a:solidFill>
-              </a:rPr>
-              <a:t>API-provides </a:t>
-            </a:r>
-            <a:r>
-              <a:rPr lang="en-US" sz="3200" dirty="0">
-                <a:solidFill>
-                  <a:schemeClr val="bg2"/>
-                </a:solidFill>
-              </a:rPr>
-              <a:t>access to the </a:t>
+              <a:t>History API-provides access to the </a:t>
             </a:r>
             <a:r>
               <a:rPr lang="en-US" sz="3200" b="1" dirty="0">
@@ -20411,13 +19924,6 @@
       <p:transition spd="slow" advClick="0" advTm="5000"/>
     </mc:Fallback>
   </mc:AlternateContent>
-  <p:timing>
-    <p:tnLst>
-      <p:par>
-        <p:cTn id="1" dur="indefinite" restart="never" nodeType="tmRoot"/>
-      </p:par>
-    </p:tnLst>
-  </p:timing>
 </p:sld>
 </file>
 
@@ -21014,13 +20520,6 @@
       <p:transition spd="slow" advClick="0" advTm="5000"/>
     </mc:Fallback>
   </mc:AlternateContent>
-  <p:timing>
-    <p:tnLst>
-      <p:par>
-        <p:cTn id="1" dur="indefinite" restart="never" nodeType="tmRoot"/>
-      </p:par>
-    </p:tnLst>
-  </p:timing>
 </p:sld>
 </file>
 
@@ -21315,13 +20814,6 @@
       <p:transition spd="slow" advClick="0" advTm="5000"/>
     </mc:Fallback>
   </mc:AlternateContent>
-  <p:timing>
-    <p:tnLst>
-      <p:par>
-        <p:cTn id="1" dur="indefinite" restart="never" nodeType="tmRoot"/>
-      </p:par>
-    </p:tnLst>
-  </p:timing>
 </p:sld>
 </file>
 
@@ -21387,15 +20879,15 @@
               <a:buNone/>
             </a:pPr>
             <a:r>
-              <a:rPr lang="en-US" sz="11500" b="1" dirty="0" smtClean="0"/>
+              <a:rPr lang="en-US" sz="11500" b="1" dirty="0"/>
               <a:t>#</a:t>
             </a:r>
             <a:r>
-              <a:rPr lang="en-US" sz="11500" b="1" dirty="0" err="1" smtClean="0"/>
+              <a:rPr lang="en-US" sz="11500" b="1" dirty="0" err="1"/>
               <a:t>js</a:t>
             </a:r>
             <a:r>
-              <a:rPr lang="en-US" sz="11500" b="1" dirty="0" smtClean="0"/>
+              <a:rPr lang="en-US" sz="11500" b="1" dirty="0"/>
               <a:t>-advanced</a:t>
             </a:r>
             <a:endParaRPr lang="en-US" sz="11500" dirty="0"/>
@@ -21484,13 +20976,6 @@
       <p:transition spd="slow" advClick="0" advTm="5000"/>
     </mc:Fallback>
   </mc:AlternateContent>
-  <p:timing>
-    <p:tnLst>
-      <p:par>
-        <p:cTn id="1" dur="indefinite" restart="never" nodeType="tmRoot"/>
-      </p:par>
-    </p:tnLst>
-  </p:timing>
 </p:sld>
 </file>
 
@@ -21529,7 +21014,7 @@
         </p:spPr>
         <p:txBody>
           <a:bodyPr>
-            <a:normAutofit lnSpcReduction="10000"/>
+            <a:normAutofit/>
           </a:bodyPr>
           <a:lstStyle/>
           <a:p>
@@ -21722,13 +21207,6 @@
       <p:transition spd="slow" advClick="0" advTm="5000"/>
     </mc:Fallback>
   </mc:AlternateContent>
-  <p:timing>
-    <p:tnLst>
-      <p:par>
-        <p:cTn id="1" dur="indefinite" restart="never" nodeType="tmRoot"/>
-      </p:par>
-    </p:tnLst>
-  </p:timing>
 </p:sld>
 </file>
 
@@ -21969,13 +21447,6 @@
       <p:transition spd="slow" advClick="0" advTm="5000"/>
     </mc:Fallback>
   </mc:AlternateContent>
-  <p:timing>
-    <p:tnLst>
-      <p:par>
-        <p:cTn id="1" dur="indefinite" restart="never" nodeType="tmRoot"/>
-      </p:par>
-    </p:tnLst>
-  </p:timing>
 </p:sld>
 </file>
 
@@ -22012,10 +21483,9 @@
           <a:lstStyle/>
           <a:p>
             <a:r>
-              <a:rPr lang="en-US" smtClean="0"/>
+              <a:rPr lang="en-US"/>
               <a:t>SPA, Multi Page </a:t>
             </a:r>
-            <a:endParaRPr lang="en-US"/>
           </a:p>
         </p:txBody>
       </p:sp>
@@ -22065,10 +21535,9 @@
           <a:lstStyle/>
           <a:p>
             <a:r>
-              <a:rPr lang="en-US" smtClean="0"/>
+              <a:rPr lang="en-US"/>
               <a:t>Types of Web Applications</a:t>
             </a:r>
-            <a:endParaRPr lang="en-US"/>
           </a:p>
         </p:txBody>
       </p:sp>
@@ -22090,13 +21559,6 @@
       <p:transition spd="slow" advClick="0" advTm="5000"/>
     </mc:Fallback>
   </mc:AlternateContent>
-  <p:timing>
-    <p:tnLst>
-      <p:par>
-        <p:cTn id="1" dur="indefinite" restart="never" nodeType="tmRoot"/>
-      </p:par>
-    </p:tnLst>
-  </p:timing>
 </p:sld>
 </file>
 
@@ -22143,7 +21605,7 @@
               </a:buClr>
             </a:pPr>
             <a:r>
-              <a:rPr lang="en-US" b="1" dirty="0" smtClean="0">
+              <a:rPr lang="en-US" b="1" dirty="0">
                 <a:solidFill>
                   <a:schemeClr val="bg1"/>
                 </a:solidFill>
@@ -22151,16 +21613,8 @@
               <a:t>Reloads</a:t>
             </a:r>
             <a:r>
-              <a:rPr lang="en-US" dirty="0" smtClean="0"/>
-              <a:t> </a:t>
-            </a:r>
-            <a:r>
               <a:rPr lang="en-US" dirty="0"/>
-              <a:t>the entire </a:t>
-            </a:r>
-            <a:r>
-              <a:rPr lang="en-US" dirty="0" smtClean="0"/>
-              <a:t>page</a:t>
+              <a:t> the entire page</a:t>
             </a:r>
           </a:p>
           <a:p>
@@ -22178,12 +21632,8 @@
               <a:t>Displays</a:t>
             </a:r>
             <a:r>
-              <a:rPr lang="en-US" dirty="0" smtClean="0"/>
-              <a:t> </a:t>
-            </a:r>
-            <a:r>
               <a:rPr lang="en-US" dirty="0"/>
-              <a:t>the </a:t>
+              <a:t> the </a:t>
             </a:r>
             <a:r>
               <a:rPr lang="en-US" b="1" dirty="0">
@@ -22206,35 +21656,15 @@
               <a:t>page</a:t>
             </a:r>
             <a:r>
-              <a:rPr lang="en-US" dirty="0" smtClean="0"/>
-              <a:t> </a:t>
-            </a:r>
-            <a:r>
               <a:rPr lang="en-US" dirty="0"/>
-              <a:t>when a user interacts with the web </a:t>
-            </a:r>
-            <a:r>
-              <a:rPr lang="en-US" dirty="0" smtClean="0"/>
-              <a:t>app</a:t>
+              <a:t> when a user interacts with the web app</a:t>
             </a:r>
           </a:p>
           <a:p>
             <a:pPr latinLnBrk="0"/>
             <a:r>
-              <a:rPr lang="en-US" dirty="0" smtClean="0"/>
-              <a:t>When </a:t>
-            </a:r>
-            <a:r>
               <a:rPr lang="en-US" dirty="0"/>
-              <a:t>a data is </a:t>
-            </a:r>
-            <a:r>
-              <a:rPr lang="en-US" dirty="0" smtClean="0"/>
-              <a:t>exchanged, </a:t>
-            </a:r>
-            <a:r>
-              <a:rPr lang="en-US" dirty="0"/>
-              <a:t>a </a:t>
+              <a:t>When a data is exchanged, a </a:t>
             </a:r>
             <a:r>
               <a:rPr lang="en-US" b="1" dirty="0">
@@ -22291,10 +21721,9 @@
           <a:lstStyle/>
           <a:p>
             <a:r>
-              <a:rPr lang="en-US" dirty="0" smtClean="0"/>
+              <a:rPr lang="en-US" dirty="0"/>
               <a:t>Multi Page Applications</a:t>
             </a:r>
-            <a:endParaRPr lang="en-US" dirty="0"/>
           </a:p>
         </p:txBody>
       </p:sp>
@@ -22523,14 +21952,14 @@
           <a:p>
             <a:pPr latinLnBrk="0"/>
             <a:r>
-              <a:rPr lang="en-US" dirty="0" smtClean="0"/>
+              <a:rPr lang="en-US" dirty="0"/>
               <a:t>Cons</a:t>
             </a:r>
           </a:p>
           <a:p>
             <a:pPr lvl="1" latinLnBrk="0"/>
             <a:r>
-              <a:rPr lang="en-US" dirty="0" smtClean="0"/>
+              <a:rPr lang="en-US" dirty="0"/>
               <a:t>Comparatively </a:t>
             </a:r>
             <a:r>
@@ -22557,12 +21986,8 @@
           <a:p>
             <a:pPr lvl="1" latinLnBrk="0"/>
             <a:r>
-              <a:rPr lang="en-US" dirty="0" smtClean="0"/>
-              <a:t>Coupled </a:t>
-            </a:r>
-            <a:r>
               <a:rPr lang="en-US" dirty="0"/>
-              <a:t>backend and frontend</a:t>
+              <a:t>Coupled backend and frontend</a:t>
             </a:r>
           </a:p>
         </p:txBody>
@@ -22584,7 +22009,7 @@
           <a:p>
             <a:pPr latinLnBrk="0"/>
             <a:r>
-              <a:rPr lang="en-US" dirty="0" smtClean="0"/>
+              <a:rPr lang="en-US" dirty="0"/>
               <a:t>Pros</a:t>
             </a:r>
           </a:p>
@@ -22618,12 +22043,8 @@
           <a:p>
             <a:pPr lvl="1" latinLnBrk="0"/>
             <a:r>
-              <a:rPr lang="en-US" dirty="0" smtClean="0"/>
-              <a:t>Provides </a:t>
-            </a:r>
-            <a:r>
               <a:rPr lang="en-US" dirty="0"/>
-              <a:t>a </a:t>
+              <a:t>Provides a </a:t>
             </a:r>
             <a:r>
               <a:rPr lang="en-US" b="1" dirty="0">
@@ -22647,13 +22068,8 @@
             </a:r>
             <a:r>
               <a:rPr lang="en-US" dirty="0"/>
-              <a:t> of the web app to the </a:t>
-            </a:r>
-            <a:r>
-              <a:rPr lang="en-US" dirty="0" smtClean="0"/>
-              <a:t>user</a:t>
-            </a:r>
-            <a:endParaRPr lang="en-US" dirty="0"/>
+              <a:t> of the web app to the user</a:t>
+            </a:r>
           </a:p>
         </p:txBody>
       </p:sp>
@@ -22673,10 +22089,9 @@
           <a:lstStyle/>
           <a:p>
             <a:r>
-              <a:rPr lang="en-US" dirty="0" smtClean="0"/>
+              <a:rPr lang="en-US" dirty="0"/>
               <a:t>Multi Page Pros and Cons</a:t>
             </a:r>
-            <a:endParaRPr lang="en-US" dirty="0"/>
           </a:p>
         </p:txBody>
       </p:sp>
@@ -23014,7 +22429,7 @@
               </a:lnSpc>
             </a:pPr>
             <a:r>
-              <a:rPr lang="en-US" sz="3400" dirty="0" smtClean="0"/>
+              <a:rPr lang="en-US" sz="3400" dirty="0"/>
               <a:t>A next evolution from multi-page website</a:t>
             </a:r>
           </a:p>
@@ -23025,7 +22440,7 @@
               </a:lnSpc>
             </a:pPr>
             <a:r>
-              <a:rPr lang="en-US" sz="3400" dirty="0" smtClean="0"/>
+              <a:rPr lang="en-US" sz="3400" dirty="0"/>
               <a:t>Web apps that load a </a:t>
             </a:r>
             <a:r>
@@ -23037,7 +22452,7 @@
               <a:t>single</a:t>
             </a:r>
             <a:r>
-              <a:rPr lang="en-US" sz="3400" dirty="0" smtClean="0"/>
+              <a:rPr lang="en-US" sz="3400" dirty="0"/>
               <a:t> </a:t>
             </a:r>
             <a:r>
@@ -23049,7 +22464,7 @@
               <a:t>HTML</a:t>
             </a:r>
             <a:r>
-              <a:rPr lang="en-US" sz="3400" dirty="0" smtClean="0"/>
+              <a:rPr lang="en-US" sz="3400" dirty="0"/>
               <a:t> </a:t>
             </a:r>
             <a:r>
@@ -23068,7 +22483,7 @@
               </a:lnSpc>
             </a:pPr>
             <a:r>
-              <a:rPr lang="en-US" sz="3400" dirty="0" smtClean="0"/>
+              <a:rPr lang="en-US" sz="3400" dirty="0"/>
               <a:t>SPAs use </a:t>
             </a:r>
             <a:r>
@@ -23080,7 +22495,7 @@
               <a:t>AJAX</a:t>
             </a:r>
             <a:r>
-              <a:rPr lang="en-US" sz="3400" dirty="0" smtClean="0"/>
+              <a:rPr lang="en-US" sz="3400" dirty="0"/>
               <a:t> and </a:t>
             </a:r>
             <a:r>
@@ -23092,7 +22507,7 @@
               <a:t>HTML5</a:t>
             </a:r>
             <a:r>
-              <a:rPr lang="en-US" sz="3400" dirty="0" smtClean="0"/>
+              <a:rPr lang="en-US" sz="3400" dirty="0"/>
               <a:t> to create fluid and responsive Web apps</a:t>
             </a:r>
           </a:p>
@@ -23114,7 +22529,7 @@
               <a:t>No</a:t>
             </a:r>
             <a:r>
-              <a:rPr lang="en-US" sz="3400" dirty="0" smtClean="0"/>
+              <a:rPr lang="en-US" sz="3400" dirty="0"/>
               <a:t> constant </a:t>
             </a:r>
             <a:r>
@@ -23126,7 +22541,7 @@
               <a:t>page</a:t>
             </a:r>
             <a:r>
-              <a:rPr lang="en-US" sz="3400" dirty="0" smtClean="0"/>
+              <a:rPr lang="en-US" sz="3400" dirty="0"/>
               <a:t> </a:t>
             </a:r>
             <a:r>
@@ -23156,12 +22571,8 @@
           <a:lstStyle/>
           <a:p>
             <a:r>
-              <a:rPr lang="en-US" dirty="0" smtClean="0"/>
-              <a:t>Single Page </a:t>
-            </a:r>
-            <a:r>
               <a:rPr lang="en-US" dirty="0"/>
-              <a:t>Applications</a:t>
+              <a:t>Single Page Applications</a:t>
             </a:r>
             <a:endParaRPr lang="bg-BG" dirty="0"/>
           </a:p>
@@ -23463,7 +22874,7 @@
               <a:t>Re-renders</a:t>
             </a:r>
             <a:r>
-              <a:rPr lang="en-US" sz="3400" dirty="0" smtClean="0"/>
+              <a:rPr lang="en-US" sz="3400" dirty="0"/>
               <a:t> its content in response to navigation actions, </a:t>
             </a:r>
             <a:r>
@@ -23475,7 +22886,7 @@
               <a:t>without</a:t>
             </a:r>
             <a:r>
-              <a:rPr lang="en-US" sz="3400" dirty="0" smtClean="0"/>
+              <a:rPr lang="en-US" sz="3400" dirty="0"/>
               <a:t> </a:t>
             </a:r>
             <a:r>
@@ -23487,7 +22898,7 @@
               <a:t>reloading</a:t>
             </a:r>
             <a:r>
-              <a:rPr lang="en-US" sz="3400" dirty="0" smtClean="0"/>
+              <a:rPr lang="en-US" sz="3400" dirty="0"/>
               <a:t> of the page</a:t>
             </a:r>
           </a:p>
@@ -23568,7 +22979,7 @@
               </a:lnSpc>
             </a:pPr>
             <a:r>
-              <a:rPr lang="en-US" sz="3200" dirty="0" smtClean="0"/>
+              <a:rPr lang="en-US" sz="3200" dirty="0"/>
               <a:t>With location-based SPAs, the location is always updating</a:t>
             </a:r>
           </a:p>
@@ -23579,7 +22990,7 @@
               </a:lnSpc>
             </a:pPr>
             <a:r>
-              <a:rPr lang="en-US" sz="3200" dirty="0" smtClean="0"/>
+              <a:rPr lang="en-US" sz="3200" dirty="0"/>
               <a:t>Location-based SPAs need a special object "Router"</a:t>
             </a:r>
           </a:p>
@@ -23589,7 +23000,7 @@
                 <a:spcPct val="100000"/>
               </a:lnSpc>
             </a:pPr>
-            <a:endParaRPr lang="en-US" sz="2800" dirty="0" smtClean="0"/>
+            <a:endParaRPr lang="en-US" sz="2800" dirty="0"/>
           </a:p>
           <a:p>
             <a:pPr lvl="1" latinLnBrk="0">
@@ -23617,12 +23028,8 @@
           <a:lstStyle/>
           <a:p>
             <a:r>
-              <a:rPr lang="en-US" dirty="0" smtClean="0"/>
-              <a:t>Single Page </a:t>
-            </a:r>
-            <a:r>
               <a:rPr lang="en-US" dirty="0"/>
-              <a:t>Applications</a:t>
+              <a:t>Single Page Applications</a:t>
             </a:r>
             <a:endParaRPr lang="bg-BG" dirty="0"/>
           </a:p>
@@ -23953,7 +23360,7 @@
           <a:p>
             <a:pPr latinLnBrk="0"/>
             <a:r>
-              <a:rPr lang="en-US" dirty="0" smtClean="0"/>
+              <a:rPr lang="en-US" dirty="0"/>
               <a:t>Cons</a:t>
             </a:r>
           </a:p>
@@ -23961,32 +23368,20 @@
             <a:pPr lvl="1" latinLnBrk="0"/>
             <a:r>
               <a:rPr lang="en-US" dirty="0"/>
-              <a:t>P</a:t>
-            </a:r>
-            <a:r>
-              <a:rPr lang="en-US" dirty="0" smtClean="0"/>
-              <a:t>erform </a:t>
-            </a:r>
+              <a:t>Perform poor on the search engine</a:t>
+            </a:r>
+          </a:p>
+          <a:p>
+            <a:pPr lvl="2" latinLnBrk="0"/>
             <a:r>
               <a:rPr lang="en-US" dirty="0"/>
-              <a:t>poor on the search </a:t>
-            </a:r>
-            <a:r>
-              <a:rPr lang="en-US" dirty="0" smtClean="0"/>
-              <a:t>engine</a:t>
-            </a:r>
-          </a:p>
-          <a:p>
-            <a:pPr lvl="2" latinLnBrk="0"/>
-            <a:r>
-              <a:rPr lang="en-US" dirty="0" smtClean="0"/>
               <a:t>Server-side rendering helps</a:t>
             </a:r>
           </a:p>
           <a:p>
             <a:pPr lvl="1" latinLnBrk="0"/>
             <a:r>
-              <a:rPr lang="en-US" dirty="0" smtClean="0"/>
+              <a:rPr lang="en-US" dirty="0"/>
               <a:t>Provide </a:t>
             </a:r>
             <a:r>
@@ -24025,10 +23420,9 @@
           <a:p>
             <a:pPr lvl="1" latinLnBrk="0"/>
             <a:r>
-              <a:rPr lang="en-US" dirty="0" smtClean="0"/>
+              <a:rPr lang="en-US" dirty="0"/>
               <a:t>Less secure</a:t>
             </a:r>
-            <a:endParaRPr lang="en-US" dirty="0"/>
           </a:p>
         </p:txBody>
       </p:sp>
@@ -24051,7 +23445,7 @@
           <a:p>
             <a:pPr latinLnBrk="0"/>
             <a:r>
-              <a:rPr lang="en-US" dirty="0" smtClean="0"/>
+              <a:rPr lang="en-US" dirty="0"/>
               <a:t>Pros</a:t>
             </a:r>
           </a:p>
@@ -24156,7 +23550,7 @@
               </a:buClr>
             </a:pPr>
             <a:r>
-              <a:rPr lang="en-US" sz="3200" dirty="0" smtClean="0"/>
+              <a:rPr lang="en-US" sz="3200" dirty="0"/>
               <a:t>Better </a:t>
             </a:r>
             <a:r>
@@ -24190,10 +23584,9 @@
           <a:lstStyle/>
           <a:p>
             <a:r>
-              <a:rPr lang="en-US" dirty="0" smtClean="0"/>
+              <a:rPr lang="en-US" dirty="0"/>
               <a:t>SPA Pros and Cons</a:t>
             </a:r>
-            <a:endParaRPr lang="en-US" dirty="0"/>
           </a:p>
         </p:txBody>
       </p:sp>
